--- a/files/화면설계서.pptx
+++ b/files/화면설계서.pptx
@@ -306,6 +306,7 @@
           <inkml:channelProperty channel="OE" name="resolution" value="1000" units="1/deg"/>
         </inkml:channelProperties>
       </inkml:inkSource>
+      <inkml:timestamp xml:id="ts0" timeString="2024-06-21T01:06:55.003"/>
     </inkml:context>
     <inkml:brush xml:id="br0">
       <inkml:brushProperty name="width" value="0.1" units="cm"/>
@@ -313,126 +314,6 @@
     </inkml:brush>
   </inkml:definitions>
   <inkml:trace contextRef="#ctx0" brushRef="#br0">7752 3625 16383 0 0,'0'0'0'0'0</inkml:trace>
-</inkml:ink>
-</file>
-
-<file path=ppt/ink/ink2.xml><?xml version="1.0" encoding="utf-8"?>
-<inkml:ink xmlns:inkml="http://www.w3.org/2003/InkML">
-  <inkml:definitions>
-    <inkml:context xml:id="ctx0">
-      <inkml:inkSource xml:id="inkSrc0">
-        <inkml:traceFormat>
-          <inkml:channel name="X" type="integer" min="-2.14748E9" max="2.14748E9" units="cm"/>
-          <inkml:channel name="Y" type="integer" min="-2.14748E9" max="2.14748E9" units="cm"/>
-          <inkml:channel name="F" type="integer" max="32767" units="dev"/>
-          <inkml:channel name="OA" type="integer" max="360" units="deg"/>
-          <inkml:channel name="OE" type="integer" max="90" units="deg"/>
-        </inkml:traceFormat>
-        <inkml:channelProperties>
-          <inkml:channelProperty channel="X" name="resolution" value="1000" units="1/cm"/>
-          <inkml:channelProperty channel="Y" name="resolution" value="1000" units="1/cm"/>
-          <inkml:channelProperty channel="F" name="resolution" value="0" units="1/dev"/>
-          <inkml:channelProperty channel="OA" name="resolution" value="1000" units="1/deg"/>
-          <inkml:channelProperty channel="OE" name="resolution" value="1000" units="1/deg"/>
-        </inkml:channelProperties>
-      </inkml:inkSource>
-    </inkml:context>
-    <inkml:brush xml:id="br0">
-      <inkml:brushProperty name="width" value="0.1" units="cm"/>
-      <inkml:brushProperty name="height" value="0.1" units="cm"/>
-    </inkml:brush>
-  </inkml:definitions>
-  <inkml:trace contextRef="#ctx0" brushRef="#br0">13520 5371 16383 0 0,'0'7'0'0'0,"27"43"0"0"0,64 88 0 0 0,105 136 0 0 0,148 192 0 0 0,179 214 0 0 0,239 223 0 0 0,256 196 0 0 0,234 143 0 0 0,257 113 0 0 0,228 90 0 0 0,110 5 0 0 0,75-27 0 0 0,-16-71 0 0 0,-95-142 0 0 0,-144-156 0 0 0,-212-188 0 0 0,-244-186 0 0 0,-247-169 0 0 0,-233-151 0 0 0,-206-122 0 0 0,-172-96 0 0 0,-139-64 0 0 0,-107-46 0 0 0</inkml:trace>
-</inkml:ink>
-</file>
-
-<file path=ppt/ink/ink3.xml><?xml version="1.0" encoding="utf-8"?>
-<inkml:ink xmlns:inkml="http://www.w3.org/2003/InkML">
-  <inkml:definitions>
-    <inkml:context xml:id="ctx0">
-      <inkml:inkSource xml:id="inkSrc0">
-        <inkml:traceFormat>
-          <inkml:channel name="X" type="integer" min="-2.14748E9" max="2.14748E9" units="cm"/>
-          <inkml:channel name="Y" type="integer" min="-2.14748E9" max="2.14748E9" units="cm"/>
-          <inkml:channel name="F" type="integer" max="32767" units="dev"/>
-          <inkml:channel name="OA" type="integer" max="360" units="deg"/>
-          <inkml:channel name="OE" type="integer" max="90" units="deg"/>
-        </inkml:traceFormat>
-        <inkml:channelProperties>
-          <inkml:channelProperty channel="X" name="resolution" value="1000" units="1/cm"/>
-          <inkml:channelProperty channel="Y" name="resolution" value="1000" units="1/cm"/>
-          <inkml:channelProperty channel="F" name="resolution" value="0" units="1/dev"/>
-          <inkml:channelProperty channel="OA" name="resolution" value="1000" units="1/deg"/>
-          <inkml:channelProperty channel="OE" name="resolution" value="1000" units="1/deg"/>
-        </inkml:channelProperties>
-      </inkml:inkSource>
-    </inkml:context>
-    <inkml:brush xml:id="br0">
-      <inkml:brushProperty name="width" value="0.1" units="cm"/>
-      <inkml:brushProperty name="height" value="0.1" units="cm"/>
-    </inkml:brush>
-  </inkml:definitions>
-  <inkml:trace contextRef="#ctx0" brushRef="#br0">30630 10645 16383 0 0,'-7'-7'0'0'0,"-15"-2"0"0"0,-32 0 0 0 0,-68 23 0 0 0,-74 42 0 0 0,-72 46 0 0 0,-93 94 0 0 0,-128 130 0 0 0,-151 166 0 0 0,-170 155 0 0 0,-160 125 0 0 0,-112 34 0 0 0,-89 15 0 0 0,-37-50 0 0 0,10-67 0 0 0,86-113 0 0 0,96-96 0 0 0,105-83 0 0 0,125-93 0 0 0,122-86 0 0 0,126-55 0 0 0,107-45 0 0 0,92-25 0 0 0,105-30 0 0 0</inkml:trace>
-</inkml:ink>
-</file>
-
-<file path=ppt/ink/ink4.xml><?xml version="1.0" encoding="utf-8"?>
-<inkml:ink xmlns:inkml="http://www.w3.org/2003/InkML">
-  <inkml:definitions>
-    <inkml:context xml:id="ctx0">
-      <inkml:inkSource xml:id="inkSrc0">
-        <inkml:traceFormat>
-          <inkml:channel name="X" type="integer" min="-2.14748E9" max="2.14748E9" units="cm"/>
-          <inkml:channel name="Y" type="integer" min="-2.14748E9" max="2.14748E9" units="cm"/>
-          <inkml:channel name="F" type="integer" max="32767" units="dev"/>
-          <inkml:channel name="OA" type="integer" max="360" units="deg"/>
-          <inkml:channel name="OE" type="integer" max="90" units="deg"/>
-        </inkml:traceFormat>
-        <inkml:channelProperties>
-          <inkml:channelProperty channel="X" name="resolution" value="1000" units="1/cm"/>
-          <inkml:channelProperty channel="Y" name="resolution" value="1000" units="1/cm"/>
-          <inkml:channelProperty channel="F" name="resolution" value="0" units="1/dev"/>
-          <inkml:channelProperty channel="OA" name="resolution" value="1000" units="1/deg"/>
-          <inkml:channelProperty channel="OE" name="resolution" value="1000" units="1/deg"/>
-        </inkml:channelProperties>
-      </inkml:inkSource>
-    </inkml:context>
-    <inkml:brush xml:id="br0">
-      <inkml:brushProperty name="width" value="0.1" units="cm"/>
-      <inkml:brushProperty name="height" value="0.1" units="cm"/>
-    </inkml:brush>
-  </inkml:definitions>
-  <inkml:trace contextRef="#ctx0" brushRef="#br0">26109 16272 16383 0 0,'-27'20'0'0'0,"-51"48"0"0"0,-65 87 0 0 0,-70 72 0 0 0,-95 72 0 0 0,-137 81 0 0 0,-136 57 0 0 0,-134 43 0 0 0,-100 15 0 0 0,-42-2 0 0 0,36-37 0 0 0,83-49 0 0 0,120-72 0 0 0,143-87 0 0 0,154-86 0 0 0</inkml:trace>
-</inkml:ink>
-</file>
-
-<file path=ppt/ink/ink5.xml><?xml version="1.0" encoding="utf-8"?>
-<inkml:ink xmlns:inkml="http://www.w3.org/2003/InkML">
-  <inkml:definitions>
-    <inkml:context xml:id="ctx0">
-      <inkml:inkSource xml:id="inkSrc0">
-        <inkml:traceFormat>
-          <inkml:channel name="X" type="integer" min="-2.14748E9" max="2.14748E9" units="cm"/>
-          <inkml:channel name="Y" type="integer" min="-2.14748E9" max="2.14748E9" units="cm"/>
-          <inkml:channel name="F" type="integer" max="32767" units="dev"/>
-          <inkml:channel name="OA" type="integer" max="360" units="deg"/>
-          <inkml:channel name="OE" type="integer" max="90" units="deg"/>
-        </inkml:traceFormat>
-        <inkml:channelProperties>
-          <inkml:channelProperty channel="X" name="resolution" value="1000" units="1/cm"/>
-          <inkml:channelProperty channel="Y" name="resolution" value="1000" units="1/cm"/>
-          <inkml:channelProperty channel="F" name="resolution" value="0" units="1/dev"/>
-          <inkml:channelProperty channel="OA" name="resolution" value="1000" units="1/deg"/>
-          <inkml:channelProperty channel="OE" name="resolution" value="1000" units="1/deg"/>
-        </inkml:channelProperties>
-      </inkml:inkSource>
-    </inkml:context>
-    <inkml:brush xml:id="br0">
-      <inkml:brushProperty name="width" value="0.1" units="cm"/>
-      <inkml:brushProperty name="height" value="0.1" units="cm"/>
-    </inkml:brush>
-  </inkml:definitions>
-  <inkml:trace contextRef="#ctx0" brushRef="#br0">19526 16669 16383 0 0,'14'0'0'0'0,"45"88"0"0"0,60 125 0 0 0,58 135 0 0 0,33 90 0 0 0,0 19 0 0 0,7-1 0 0 0,-1-17 0 0 0,5-28 0 0 0,5-36 0 0 0,11-42 0 0 0,-6-49 0 0 0,-16-53 0 0 0,-10-52 0 0 0,-13-30 0 0 0,-25-32 0 0 0,-42-31 0 0 0,-41-28 0 0 0</inkml:trace>
 </inkml:ink>
 </file>
 
@@ -567,7 +448,7 @@
           <a:p>
             <a:fld id="{58EFD931-C3EF-4670-8511-7469DDDE58E1}" type="datetimeFigureOut">
               <a:rPr lang="ko-KR" altLang="en-US" smtClean="0"/>
-              <a:t>2024-05-29</a:t>
+              <a:t>2024-06-21</a:t>
             </a:fld>
             <a:endParaRPr lang="ko-KR" altLang="en-US"/>
           </a:p>
@@ -737,7 +618,7 @@
           <a:p>
             <a:fld id="{58EFD931-C3EF-4670-8511-7469DDDE58E1}" type="datetimeFigureOut">
               <a:rPr lang="ko-KR" altLang="en-US" smtClean="0"/>
-              <a:t>2024-05-29</a:t>
+              <a:t>2024-06-21</a:t>
             </a:fld>
             <a:endParaRPr lang="ko-KR" altLang="en-US"/>
           </a:p>
@@ -917,7 +798,7 @@
           <a:p>
             <a:fld id="{58EFD931-C3EF-4670-8511-7469DDDE58E1}" type="datetimeFigureOut">
               <a:rPr lang="ko-KR" altLang="en-US" smtClean="0"/>
-              <a:t>2024-05-29</a:t>
+              <a:t>2024-06-21</a:t>
             </a:fld>
             <a:endParaRPr lang="ko-KR" altLang="en-US"/>
           </a:p>
@@ -1087,7 +968,7 @@
           <a:p>
             <a:fld id="{58EFD931-C3EF-4670-8511-7469DDDE58E1}" type="datetimeFigureOut">
               <a:rPr lang="ko-KR" altLang="en-US" smtClean="0"/>
-              <a:t>2024-05-29</a:t>
+              <a:t>2024-06-21</a:t>
             </a:fld>
             <a:endParaRPr lang="ko-KR" altLang="en-US"/>
           </a:p>
@@ -1333,7 +1214,7 @@
           <a:p>
             <a:fld id="{58EFD931-C3EF-4670-8511-7469DDDE58E1}" type="datetimeFigureOut">
               <a:rPr lang="ko-KR" altLang="en-US" smtClean="0"/>
-              <a:t>2024-05-29</a:t>
+              <a:t>2024-06-21</a:t>
             </a:fld>
             <a:endParaRPr lang="ko-KR" altLang="en-US"/>
           </a:p>
@@ -1565,7 +1446,7 @@
           <a:p>
             <a:fld id="{58EFD931-C3EF-4670-8511-7469DDDE58E1}" type="datetimeFigureOut">
               <a:rPr lang="ko-KR" altLang="en-US" smtClean="0"/>
-              <a:t>2024-05-29</a:t>
+              <a:t>2024-06-21</a:t>
             </a:fld>
             <a:endParaRPr lang="ko-KR" altLang="en-US"/>
           </a:p>
@@ -1932,7 +1813,7 @@
           <a:p>
             <a:fld id="{58EFD931-C3EF-4670-8511-7469DDDE58E1}" type="datetimeFigureOut">
               <a:rPr lang="ko-KR" altLang="en-US" smtClean="0"/>
-              <a:t>2024-05-29</a:t>
+              <a:t>2024-06-21</a:t>
             </a:fld>
             <a:endParaRPr lang="ko-KR" altLang="en-US"/>
           </a:p>
@@ -2050,7 +1931,7 @@
           <a:p>
             <a:fld id="{58EFD931-C3EF-4670-8511-7469DDDE58E1}" type="datetimeFigureOut">
               <a:rPr lang="ko-KR" altLang="en-US" smtClean="0"/>
-              <a:t>2024-05-29</a:t>
+              <a:t>2024-06-21</a:t>
             </a:fld>
             <a:endParaRPr lang="ko-KR" altLang="en-US"/>
           </a:p>
@@ -2145,7 +2026,7 @@
           <a:p>
             <a:fld id="{58EFD931-C3EF-4670-8511-7469DDDE58E1}" type="datetimeFigureOut">
               <a:rPr lang="ko-KR" altLang="en-US" smtClean="0"/>
-              <a:t>2024-05-29</a:t>
+              <a:t>2024-06-21</a:t>
             </a:fld>
             <a:endParaRPr lang="ko-KR" altLang="en-US"/>
           </a:p>
@@ -2422,7 +2303,7 @@
           <a:p>
             <a:fld id="{58EFD931-C3EF-4670-8511-7469DDDE58E1}" type="datetimeFigureOut">
               <a:rPr lang="ko-KR" altLang="en-US" smtClean="0"/>
-              <a:t>2024-05-29</a:t>
+              <a:t>2024-06-21</a:t>
             </a:fld>
             <a:endParaRPr lang="ko-KR" altLang="en-US"/>
           </a:p>
@@ -2679,7 +2560,7 @@
           <a:p>
             <a:fld id="{58EFD931-C3EF-4670-8511-7469DDDE58E1}" type="datetimeFigureOut">
               <a:rPr lang="ko-KR" altLang="en-US" smtClean="0"/>
-              <a:t>2024-05-29</a:t>
+              <a:t>2024-06-21</a:t>
             </a:fld>
             <a:endParaRPr lang="ko-KR" altLang="en-US"/>
           </a:p>
@@ -2892,7 +2773,7 @@
           <a:p>
             <a:fld id="{58EFD931-C3EF-4670-8511-7469DDDE58E1}" type="datetimeFigureOut">
               <a:rPr lang="ko-KR" altLang="en-US" smtClean="0"/>
-              <a:t>2024-05-29</a:t>
+              <a:t>2024-06-21</a:t>
             </a:fld>
             <a:endParaRPr lang="ko-KR" altLang="en-US"/>
           </a:p>
@@ -4121,13 +4002,13 @@
           <p:nvPr/>
         </p:nvPicPr>
         <p:blipFill>
-          <a:blip r:embed="rId2">
+          <a:blip r:embed="rId2" cstate="hqprint">
             <a:extLst>
               <a:ext uri="{28A0092B-C50C-407E-A947-70E740481C1C}">
                 <a14:useLocalDpi xmlns:a14="http://schemas.microsoft.com/office/drawing/2010/main" val="0"/>
               </a:ext>
               <a:ext uri="{96DAC541-7B7A-43D3-8B79-37D633B846F1}">
-                <asvg:svgBlip xmlns:asvg="http://schemas.microsoft.com/office/drawing/2016/SVG/main" r:embed="rId3"/>
+                <asvg:svgBlip xmlns:asvg="http://schemas.microsoft.com/office/drawing/2016/SVG/main" xmlns="" r:embed="rId3"/>
               </a:ext>
             </a:extLst>
           </a:blip>
@@ -4160,13 +4041,13 @@
           <p:nvPr/>
         </p:nvPicPr>
         <p:blipFill>
-          <a:blip r:embed="rId4">
+          <a:blip r:embed="rId4" cstate="hqprint">
             <a:extLst>
               <a:ext uri="{28A0092B-C50C-407E-A947-70E740481C1C}">
                 <a14:useLocalDpi xmlns:a14="http://schemas.microsoft.com/office/drawing/2010/main" val="0"/>
               </a:ext>
               <a:ext uri="{96DAC541-7B7A-43D3-8B79-37D633B846F1}">
-                <asvg:svgBlip xmlns:asvg="http://schemas.microsoft.com/office/drawing/2016/SVG/main" r:embed="rId5"/>
+                <asvg:svgBlip xmlns:asvg="http://schemas.microsoft.com/office/drawing/2016/SVG/main" xmlns="" r:embed="rId5"/>
               </a:ext>
             </a:extLst>
           </a:blip>
@@ -4199,13 +4080,13 @@
           <p:nvPr/>
         </p:nvPicPr>
         <p:blipFill>
-          <a:blip r:embed="rId6">
+          <a:blip r:embed="rId6" cstate="hqprint">
             <a:extLst>
               <a:ext uri="{28A0092B-C50C-407E-A947-70E740481C1C}">
                 <a14:useLocalDpi xmlns:a14="http://schemas.microsoft.com/office/drawing/2010/main" val="0"/>
               </a:ext>
               <a:ext uri="{96DAC541-7B7A-43D3-8B79-37D633B846F1}">
-                <asvg:svgBlip xmlns:asvg="http://schemas.microsoft.com/office/drawing/2016/SVG/main" r:embed="rId7"/>
+                <asvg:svgBlip xmlns:asvg="http://schemas.microsoft.com/office/drawing/2016/SVG/main" xmlns="" r:embed="rId7"/>
               </a:ext>
             </a:extLst>
           </a:blip>
@@ -4288,13 +4169,13 @@
           <p:nvPr/>
         </p:nvPicPr>
         <p:blipFill>
-          <a:blip r:embed="rId8">
+          <a:blip r:embed="rId8" cstate="hqprint">
             <a:extLst>
               <a:ext uri="{28A0092B-C50C-407E-A947-70E740481C1C}">
                 <a14:useLocalDpi xmlns:a14="http://schemas.microsoft.com/office/drawing/2010/main" val="0"/>
               </a:ext>
               <a:ext uri="{96DAC541-7B7A-43D3-8B79-37D633B846F1}">
-                <asvg:svgBlip xmlns:asvg="http://schemas.microsoft.com/office/drawing/2016/SVG/main" r:embed="rId9"/>
+                <asvg:svgBlip xmlns:asvg="http://schemas.microsoft.com/office/drawing/2016/SVG/main" xmlns="" r:embed="rId9"/>
               </a:ext>
             </a:extLst>
           </a:blip>
@@ -5410,108 +5291,6 @@
           </a:p>
         </p:txBody>
       </p:sp>
-      <mc:AlternateContent xmlns:mc="http://schemas.openxmlformats.org/markup-compatibility/2006">
-        <mc:Choice xmlns:p14="http://schemas.microsoft.com/office/powerpoint/2010/main" Requires="p14">
-          <p:contentPart p14:bwMode="auto" r:id="rId10">
-            <p14:nvContentPartPr>
-              <p14:cNvPr id="23" name="잉크 22">
-                <a:extLst>
-                  <a:ext uri="{FF2B5EF4-FFF2-40B4-BE49-F238E27FC236}">
-                    <a16:creationId xmlns:a16="http://schemas.microsoft.com/office/drawing/2014/main" id="{5DEB1EB0-D40D-280C-C26E-A85B4F239D54}"/>
-                  </a:ext>
-                </a:extLst>
-              </p14:cNvPr>
-              <p14:cNvContentPartPr/>
-              <p14:nvPr/>
-            </p14:nvContentPartPr>
-            <p14:xfrm>
-              <a:off x="4965421" y="8074760"/>
-              <a:ext cx="2575827" cy="1678374"/>
-            </p14:xfrm>
-          </p:contentPart>
-        </mc:Choice>
-        <mc:Fallback>
-          <p:pic>
-            <p:nvPicPr>
-              <p:cNvPr id="23" name="잉크 22">
-                <a:extLst>
-                  <a:ext uri="{FF2B5EF4-FFF2-40B4-BE49-F238E27FC236}">
-                    <a16:creationId xmlns:a16="http://schemas.microsoft.com/office/drawing/2014/main" id="{5DEB1EB0-D40D-280C-C26E-A85B4F239D54}"/>
-                  </a:ext>
-                </a:extLst>
-              </p:cNvPr>
-              <p:cNvPicPr/>
-              <p:nvPr/>
-            </p:nvPicPr>
-            <p:blipFill>
-              <a:blip r:embed="rId11"/>
-              <a:stretch>
-                <a:fillRect/>
-              </a:stretch>
-            </p:blipFill>
-            <p:spPr>
-              <a:xfrm>
-                <a:off x="4947783" y="8057123"/>
-                <a:ext cx="2611462" cy="1714008"/>
-              </a:xfrm>
-              <a:prstGeom prst="rect">
-                <a:avLst/>
-              </a:prstGeom>
-            </p:spPr>
-          </p:pic>
-        </mc:Fallback>
-      </mc:AlternateContent>
-      <mc:AlternateContent xmlns:mc="http://schemas.openxmlformats.org/markup-compatibility/2006">
-        <mc:Choice xmlns:p14="http://schemas.microsoft.com/office/powerpoint/2010/main" Requires="p14">
-          <p:contentPart p14:bwMode="auto" r:id="rId12">
-            <p14:nvContentPartPr>
-              <p14:cNvPr id="24" name="잉크 23">
-                <a:extLst>
-                  <a:ext uri="{FF2B5EF4-FFF2-40B4-BE49-F238E27FC236}">
-                    <a16:creationId xmlns:a16="http://schemas.microsoft.com/office/drawing/2014/main" id="{8A0EFBF5-64FF-A7C2-3F87-B4DB1BD8631E}"/>
-                  </a:ext>
-                </a:extLst>
-              </p14:cNvPr>
-              <p14:cNvContentPartPr/>
-              <p14:nvPr/>
-            </p14:nvContentPartPr>
-            <p14:xfrm>
-              <a:off x="5277431" y="8291047"/>
-              <a:ext cx="1124923" cy="1678313"/>
-            </p14:xfrm>
-          </p:contentPart>
-        </mc:Choice>
-        <mc:Fallback>
-          <p:pic>
-            <p:nvPicPr>
-              <p:cNvPr id="24" name="잉크 23">
-                <a:extLst>
-                  <a:ext uri="{FF2B5EF4-FFF2-40B4-BE49-F238E27FC236}">
-                    <a16:creationId xmlns:a16="http://schemas.microsoft.com/office/drawing/2014/main" id="{8A0EFBF5-64FF-A7C2-3F87-B4DB1BD8631E}"/>
-                  </a:ext>
-                </a:extLst>
-              </p:cNvPr>
-              <p:cNvPicPr/>
-              <p:nvPr/>
-            </p:nvPicPr>
-            <p:blipFill>
-              <a:blip r:embed="rId13"/>
-              <a:stretch>
-                <a:fillRect/>
-              </a:stretch>
-            </p:blipFill>
-            <p:spPr>
-              <a:xfrm>
-                <a:off x="5259438" y="8273411"/>
-                <a:ext cx="1160549" cy="1713945"/>
-              </a:xfrm>
-              <a:prstGeom prst="rect">
-                <a:avLst/>
-              </a:prstGeom>
-            </p:spPr>
-          </p:pic>
-        </mc:Fallback>
-      </mc:AlternateContent>
     </p:spTree>
     <p:extLst>
       <p:ext uri="{BB962C8B-B14F-4D97-AF65-F5344CB8AC3E}">
@@ -6176,13 +5955,13 @@
           <p:nvPr/>
         </p:nvPicPr>
         <p:blipFill>
-          <a:blip r:embed="rId3">
+          <a:blip r:embed="rId3" cstate="hqprint">
             <a:extLst>
               <a:ext uri="{28A0092B-C50C-407E-A947-70E740481C1C}">
                 <a14:useLocalDpi xmlns:a14="http://schemas.microsoft.com/office/drawing/2010/main" val="0"/>
               </a:ext>
               <a:ext uri="{96DAC541-7B7A-43D3-8B79-37D633B846F1}">
-                <asvg:svgBlip xmlns:asvg="http://schemas.microsoft.com/office/drawing/2016/SVG/main" r:embed="rId4"/>
+                <asvg:svgBlip xmlns:asvg="http://schemas.microsoft.com/office/drawing/2016/SVG/main" xmlns="" r:embed="rId4"/>
               </a:ext>
             </a:extLst>
           </a:blip>
@@ -11189,13 +10968,13 @@
           <p:nvPr/>
         </p:nvPicPr>
         <p:blipFill>
-          <a:blip r:embed="rId2">
+          <a:blip r:embed="rId2" cstate="hqprint">
             <a:extLst>
               <a:ext uri="{28A0092B-C50C-407E-A947-70E740481C1C}">
                 <a14:useLocalDpi xmlns:a14="http://schemas.microsoft.com/office/drawing/2010/main" val="0"/>
               </a:ext>
               <a:ext uri="{96DAC541-7B7A-43D3-8B79-37D633B846F1}">
-                <asvg:svgBlip xmlns:asvg="http://schemas.microsoft.com/office/drawing/2016/SVG/main" r:embed="rId3"/>
+                <asvg:svgBlip xmlns:asvg="http://schemas.microsoft.com/office/drawing/2016/SVG/main" xmlns="" r:embed="rId3"/>
               </a:ext>
             </a:extLst>
           </a:blip>
@@ -11228,13 +11007,13 @@
           <p:nvPr/>
         </p:nvPicPr>
         <p:blipFill>
-          <a:blip r:embed="rId4">
+          <a:blip r:embed="rId4" cstate="hqprint">
             <a:extLst>
               <a:ext uri="{28A0092B-C50C-407E-A947-70E740481C1C}">
                 <a14:useLocalDpi xmlns:a14="http://schemas.microsoft.com/office/drawing/2010/main" val="0"/>
               </a:ext>
               <a:ext uri="{96DAC541-7B7A-43D3-8B79-37D633B846F1}">
-                <asvg:svgBlip xmlns:asvg="http://schemas.microsoft.com/office/drawing/2016/SVG/main" r:embed="rId5"/>
+                <asvg:svgBlip xmlns:asvg="http://schemas.microsoft.com/office/drawing/2016/SVG/main" xmlns="" r:embed="rId5"/>
               </a:ext>
             </a:extLst>
           </a:blip>
@@ -11732,13 +11511,13 @@
           <p:nvPr/>
         </p:nvPicPr>
         <p:blipFill>
-          <a:blip r:embed="rId2">
+          <a:blip r:embed="rId2" cstate="hqprint">
             <a:extLst>
               <a:ext uri="{28A0092B-C50C-407E-A947-70E740481C1C}">
                 <a14:useLocalDpi xmlns:a14="http://schemas.microsoft.com/office/drawing/2010/main" val="0"/>
               </a:ext>
               <a:ext uri="{96DAC541-7B7A-43D3-8B79-37D633B846F1}">
-                <asvg:svgBlip xmlns:asvg="http://schemas.microsoft.com/office/drawing/2016/SVG/main" r:embed="rId3"/>
+                <asvg:svgBlip xmlns:asvg="http://schemas.microsoft.com/office/drawing/2016/SVG/main" xmlns="" r:embed="rId3"/>
               </a:ext>
             </a:extLst>
           </a:blip>
@@ -11771,13 +11550,13 @@
           <p:nvPr/>
         </p:nvPicPr>
         <p:blipFill>
-          <a:blip r:embed="rId4">
+          <a:blip r:embed="rId4" cstate="hqprint">
             <a:extLst>
               <a:ext uri="{28A0092B-C50C-407E-A947-70E740481C1C}">
                 <a14:useLocalDpi xmlns:a14="http://schemas.microsoft.com/office/drawing/2010/main" val="0"/>
               </a:ext>
               <a:ext uri="{96DAC541-7B7A-43D3-8B79-37D633B846F1}">
-                <asvg:svgBlip xmlns:asvg="http://schemas.microsoft.com/office/drawing/2016/SVG/main" r:embed="rId5"/>
+                <asvg:svgBlip xmlns:asvg="http://schemas.microsoft.com/office/drawing/2016/SVG/main" xmlns="" r:embed="rId5"/>
               </a:ext>
             </a:extLst>
           </a:blip>
@@ -12275,13 +12054,13 @@
           <p:nvPr/>
         </p:nvPicPr>
         <p:blipFill>
-          <a:blip r:embed="rId2">
+          <a:blip r:embed="rId2" cstate="hqprint">
             <a:extLst>
               <a:ext uri="{28A0092B-C50C-407E-A947-70E740481C1C}">
                 <a14:useLocalDpi xmlns:a14="http://schemas.microsoft.com/office/drawing/2010/main" val="0"/>
               </a:ext>
               <a:ext uri="{96DAC541-7B7A-43D3-8B79-37D633B846F1}">
-                <asvg:svgBlip xmlns:asvg="http://schemas.microsoft.com/office/drawing/2016/SVG/main" r:embed="rId3"/>
+                <asvg:svgBlip xmlns:asvg="http://schemas.microsoft.com/office/drawing/2016/SVG/main" xmlns="" r:embed="rId3"/>
               </a:ext>
             </a:extLst>
           </a:blip>
@@ -12314,13 +12093,13 @@
           <p:nvPr/>
         </p:nvPicPr>
         <p:blipFill>
-          <a:blip r:embed="rId4">
+          <a:blip r:embed="rId4" cstate="hqprint">
             <a:extLst>
               <a:ext uri="{28A0092B-C50C-407E-A947-70E740481C1C}">
                 <a14:useLocalDpi xmlns:a14="http://schemas.microsoft.com/office/drawing/2010/main" val="0"/>
               </a:ext>
               <a:ext uri="{96DAC541-7B7A-43D3-8B79-37D633B846F1}">
-                <asvg:svgBlip xmlns:asvg="http://schemas.microsoft.com/office/drawing/2016/SVG/main" r:embed="rId5"/>
+                <asvg:svgBlip xmlns:asvg="http://schemas.microsoft.com/office/drawing/2016/SVG/main" xmlns="" r:embed="rId5"/>
               </a:ext>
             </a:extLst>
           </a:blip>
@@ -12818,13 +12597,13 @@
           <p:nvPr/>
         </p:nvPicPr>
         <p:blipFill>
-          <a:blip r:embed="rId2">
+          <a:blip r:embed="rId2" cstate="hqprint">
             <a:extLst>
               <a:ext uri="{28A0092B-C50C-407E-A947-70E740481C1C}">
                 <a14:useLocalDpi xmlns:a14="http://schemas.microsoft.com/office/drawing/2010/main" val="0"/>
               </a:ext>
               <a:ext uri="{96DAC541-7B7A-43D3-8B79-37D633B846F1}">
-                <asvg:svgBlip xmlns:asvg="http://schemas.microsoft.com/office/drawing/2016/SVG/main" r:embed="rId3"/>
+                <asvg:svgBlip xmlns:asvg="http://schemas.microsoft.com/office/drawing/2016/SVG/main" xmlns="" r:embed="rId3"/>
               </a:ext>
             </a:extLst>
           </a:blip>
@@ -12857,13 +12636,13 @@
           <p:nvPr/>
         </p:nvPicPr>
         <p:blipFill>
-          <a:blip r:embed="rId4">
+          <a:blip r:embed="rId4" cstate="hqprint">
             <a:extLst>
               <a:ext uri="{28A0092B-C50C-407E-A947-70E740481C1C}">
                 <a14:useLocalDpi xmlns:a14="http://schemas.microsoft.com/office/drawing/2010/main" val="0"/>
               </a:ext>
               <a:ext uri="{96DAC541-7B7A-43D3-8B79-37D633B846F1}">
-                <asvg:svgBlip xmlns:asvg="http://schemas.microsoft.com/office/drawing/2016/SVG/main" r:embed="rId5"/>
+                <asvg:svgBlip xmlns:asvg="http://schemas.microsoft.com/office/drawing/2016/SVG/main" xmlns="" r:embed="rId5"/>
               </a:ext>
             </a:extLst>
           </a:blip>
@@ -20854,8 +20633,8 @@
           </a:p>
         </p:txBody>
       </p:sp>
-      <mc:AlternateContent xmlns:mc="http://schemas.openxmlformats.org/markup-compatibility/2006">
-        <mc:Choice xmlns:p14="http://schemas.microsoft.com/office/powerpoint/2010/main" Requires="p14">
+      <mc:AlternateContent xmlns:mc="http://schemas.openxmlformats.org/markup-compatibility/2006" xmlns:p14="http://schemas.microsoft.com/office/powerpoint/2010/main">
+        <mc:Choice Requires="p14">
           <p:contentPart p14:bwMode="auto" r:id="rId2">
             <p14:nvContentPartPr>
               <p14:cNvPr id="29" name="잉크 28">
@@ -20874,7 +20653,7 @@
             </p14:xfrm>
           </p:contentPart>
         </mc:Choice>
-        <mc:Fallback>
+        <mc:Fallback xmlns="">
           <p:pic>
             <p:nvPicPr>
               <p:cNvPr id="29" name="잉크 28">
@@ -20897,108 +20676,6 @@
               <a:xfrm>
                 <a:off x="-1860067" y="475844"/>
                 <a:ext cx="1441900" cy="1441900"/>
-              </a:xfrm>
-              <a:prstGeom prst="rect">
-                <a:avLst/>
-              </a:prstGeom>
-            </p:spPr>
-          </p:pic>
-        </mc:Fallback>
-      </mc:AlternateContent>
-      <mc:AlternateContent xmlns:mc="http://schemas.openxmlformats.org/markup-compatibility/2006">
-        <mc:Choice xmlns:p14="http://schemas.microsoft.com/office/powerpoint/2010/main" Requires="p14">
-          <p:contentPart p14:bwMode="auto" r:id="rId4">
-            <p14:nvContentPartPr>
-              <p14:cNvPr id="31" name="잉크 30">
-                <a:extLst>
-                  <a:ext uri="{FF2B5EF4-FFF2-40B4-BE49-F238E27FC236}">
-                    <a16:creationId xmlns:a16="http://schemas.microsoft.com/office/drawing/2014/main" id="{0D4336E3-08C1-4E42-D8FF-13EC2E741802}"/>
-                  </a:ext>
-                </a:extLst>
-              </p14:cNvPr>
-              <p14:cNvContentPartPr/>
-              <p14:nvPr/>
-            </p14:nvContentPartPr>
-            <p14:xfrm>
-              <a:off x="2004270" y="2134043"/>
-              <a:ext cx="7981904" cy="6139781"/>
-            </p14:xfrm>
-          </p:contentPart>
-        </mc:Choice>
-        <mc:Fallback>
-          <p:pic>
-            <p:nvPicPr>
-              <p:cNvPr id="31" name="잉크 30">
-                <a:extLst>
-                  <a:ext uri="{FF2B5EF4-FFF2-40B4-BE49-F238E27FC236}">
-                    <a16:creationId xmlns:a16="http://schemas.microsoft.com/office/drawing/2014/main" id="{0D4336E3-08C1-4E42-D8FF-13EC2E741802}"/>
-                  </a:ext>
-                </a:extLst>
-              </p:cNvPr>
-              <p:cNvPicPr/>
-              <p:nvPr/>
-            </p:nvPicPr>
-            <p:blipFill>
-              <a:blip r:embed="rId5"/>
-              <a:stretch>
-                <a:fillRect/>
-              </a:stretch>
-            </p:blipFill>
-            <p:spPr>
-              <a:xfrm>
-                <a:off x="1986271" y="2116044"/>
-                <a:ext cx="8017542" cy="6175419"/>
-              </a:xfrm>
-              <a:prstGeom prst="rect">
-                <a:avLst/>
-              </a:prstGeom>
-            </p:spPr>
-          </p:pic>
-        </mc:Fallback>
-      </mc:AlternateContent>
-      <mc:AlternateContent xmlns:mc="http://schemas.openxmlformats.org/markup-compatibility/2006">
-        <mc:Choice xmlns:p14="http://schemas.microsoft.com/office/powerpoint/2010/main" Requires="p14">
-          <p:contentPart p14:bwMode="auto" r:id="rId6">
-            <p14:nvContentPartPr>
-              <p14:cNvPr id="32" name="잉크 31">
-                <a:extLst>
-                  <a:ext uri="{FF2B5EF4-FFF2-40B4-BE49-F238E27FC236}">
-                    <a16:creationId xmlns:a16="http://schemas.microsoft.com/office/drawing/2014/main" id="{F92FA168-FAF8-C27F-C911-3DB5099B37BF}"/>
-                  </a:ext>
-                </a:extLst>
-              </p14:cNvPr>
-              <p14:cNvContentPartPr/>
-              <p14:nvPr/>
-            </p14:nvContentPartPr>
-            <p14:xfrm>
-              <a:off x="3356027" y="4994645"/>
-              <a:ext cx="5266662" cy="2971551"/>
-            </p14:xfrm>
-          </p:contentPart>
-        </mc:Choice>
-        <mc:Fallback>
-          <p:pic>
-            <p:nvPicPr>
-              <p:cNvPr id="32" name="잉크 31">
-                <a:extLst>
-                  <a:ext uri="{FF2B5EF4-FFF2-40B4-BE49-F238E27FC236}">
-                    <a16:creationId xmlns:a16="http://schemas.microsoft.com/office/drawing/2014/main" id="{F92FA168-FAF8-C27F-C911-3DB5099B37BF}"/>
-                  </a:ext>
-                </a:extLst>
-              </p:cNvPr>
-              <p:cNvPicPr/>
-              <p:nvPr/>
-            </p:nvPicPr>
-            <p:blipFill>
-              <a:blip r:embed="rId7"/>
-              <a:stretch>
-                <a:fillRect/>
-              </a:stretch>
-            </p:blipFill>
-            <p:spPr>
-              <a:xfrm>
-                <a:off x="3338389" y="4976647"/>
-                <a:ext cx="5302299" cy="3007188"/>
               </a:xfrm>
               <a:prstGeom prst="rect">
                 <a:avLst/>
